--- a/Sem 3/MGCC/Nation (Nationalism and Nation-state).pptx
+++ b/Sem 3/MGCC/Nation (Nationalism and Nation-state).pptx
@@ -121,6 +121,22 @@
       </a:defRPr>
     </a:lvl9pPr>
   </p:defaultTextStyle>
+  <p:extLst>
+    <p:ext uri="{EFAFB233-063F-42B5-8137-9DF3F51BA10A}">
+      <p15:sldGuideLst xmlns:p15="http://schemas.microsoft.com/office/powerpoint/2012/main">
+        <p15:guide id="1" orient="horz" pos="2160">
+          <p15:clr>
+            <a:srgbClr val="A4A3A4"/>
+          </p15:clr>
+        </p15:guide>
+        <p15:guide id="2" pos="2880">
+          <p15:clr>
+            <a:srgbClr val="A4A3A4"/>
+          </p15:clr>
+        </p15:guide>
+      </p15:sldGuideLst>
+    </p:ext>
+  </p:extLst>
 </p:presentation>
 </file>
 
@@ -216,9 +232,7 @@
         </p:style>
         <p:txBody>
           <a:bodyPr anchor="ctr"/>
-          <a:lstStyle>
-            <a:extLst/>
-          </a:lstStyle>
+          <a:lstStyle/>
           <a:p>
             <a:pPr algn="ctr" eaLnBrk="1" latinLnBrk="0" hangingPunct="1"/>
             <a:endParaRPr kumimoji="0" lang="en-US"/>
@@ -288,9 +302,7 @@
         </p:style>
         <p:txBody>
           <a:bodyPr anchor="ctr"/>
-          <a:lstStyle>
-            <a:extLst/>
-          </a:lstStyle>
+          <a:lstStyle/>
           <a:p>
             <a:pPr algn="ctr" eaLnBrk="1" latinLnBrk="0" hangingPunct="1"/>
             <a:endParaRPr kumimoji="0" lang="en-US"/>
@@ -337,10 +349,9 @@
           </a:lstStyle>
           <a:p>
             <a:r>
-              <a:rPr kumimoji="0" lang="en-US" smtClean="0"/>
+              <a:rPr kumimoji="0" lang="en-US"/>
               <a:t>Click to edit Master title style</a:t>
             </a:r>
-            <a:endParaRPr kumimoji="0" lang="en-US"/>
           </a:p>
         </p:txBody>
       </p:sp>
@@ -404,10 +415,9 @@
           </a:lstStyle>
           <a:p>
             <a:r>
-              <a:rPr kumimoji="0" lang="en-US" smtClean="0"/>
+              <a:rPr kumimoji="0" lang="en-US"/>
               <a:t>Click to edit Master subtitle style</a:t>
             </a:r>
-            <a:endParaRPr kumimoji="0" lang="en-US"/>
           </a:p>
         </p:txBody>
       </p:sp>
@@ -424,14 +434,12 @@
         <p:spPr/>
         <p:txBody>
           <a:bodyPr/>
-          <a:lstStyle>
-            <a:extLst/>
-          </a:lstStyle>
+          <a:lstStyle/>
           <a:p>
             <a:fld id="{D1B9EC16-350F-4D62-AF26-42A63FE2CE76}" type="datetimeFigureOut">
               <a:rPr lang="en-US" smtClean="0"/>
               <a:pPr/>
-              <a:t>8/20/2013</a:t>
+              <a:t>11/6/2019</a:t>
             </a:fld>
             <a:endParaRPr lang="en-US"/>
           </a:p>
@@ -450,9 +458,7 @@
         <p:spPr/>
         <p:txBody>
           <a:bodyPr/>
-          <a:lstStyle>
-            <a:extLst/>
-          </a:lstStyle>
+          <a:lstStyle/>
           <a:p>
             <a:endParaRPr lang="en-US"/>
           </a:p>
@@ -471,9 +477,7 @@
         <p:spPr/>
         <p:txBody>
           <a:bodyPr/>
-          <a:lstStyle>
-            <a:extLst/>
-          </a:lstStyle>
+          <a:lstStyle/>
           <a:p>
             <a:fld id="{EA9ABBD6-01E7-425E-8F0E-BCED9B03E0E0}" type="slidenum">
               <a:rPr lang="en-US" smtClean="0"/>
@@ -527,15 +531,12 @@
         </p:spPr>
         <p:txBody>
           <a:bodyPr/>
-          <a:lstStyle>
-            <a:extLst/>
-          </a:lstStyle>
-          <a:p>
-            <a:r>
-              <a:rPr kumimoji="0" lang="en-US" smtClean="0"/>
+          <a:lstStyle/>
+          <a:p>
+            <a:r>
+              <a:rPr kumimoji="0" lang="en-US"/>
               <a:t>Click to edit Master title style</a:t>
             </a:r>
-            <a:endParaRPr kumimoji="0" lang="en-US"/>
           </a:p>
         </p:txBody>
       </p:sp>
@@ -557,41 +558,39 @@
         </p:spPr>
         <p:txBody>
           <a:bodyPr vert="eaVert"/>
-          <a:lstStyle>
-            <a:extLst/>
-          </a:lstStyle>
+          <a:lstStyle/>
           <a:p>
             <a:pPr lvl="0" eaLnBrk="1" latinLnBrk="0" hangingPunct="1"/>
             <a:r>
-              <a:rPr lang="en-US" smtClean="0"/>
+              <a:rPr lang="en-US"/>
               <a:t>Click to edit Master text styles</a:t>
             </a:r>
           </a:p>
           <a:p>
             <a:pPr lvl="1" eaLnBrk="1" latinLnBrk="0" hangingPunct="1"/>
             <a:r>
-              <a:rPr lang="en-US" smtClean="0"/>
+              <a:rPr lang="en-US"/>
               <a:t>Second level</a:t>
             </a:r>
           </a:p>
           <a:p>
             <a:pPr lvl="2" eaLnBrk="1" latinLnBrk="0" hangingPunct="1"/>
             <a:r>
-              <a:rPr lang="en-US" smtClean="0"/>
+              <a:rPr lang="en-US"/>
               <a:t>Third level</a:t>
             </a:r>
           </a:p>
           <a:p>
             <a:pPr lvl="3" eaLnBrk="1" latinLnBrk="0" hangingPunct="1"/>
             <a:r>
-              <a:rPr lang="en-US" smtClean="0"/>
+              <a:rPr lang="en-US"/>
               <a:t>Fourth level</a:t>
             </a:r>
           </a:p>
           <a:p>
             <a:pPr lvl="4" eaLnBrk="1" latinLnBrk="0" hangingPunct="1"/>
             <a:r>
-              <a:rPr lang="en-US" smtClean="0"/>
+              <a:rPr lang="en-US"/>
               <a:t>Fifth level</a:t>
             </a:r>
             <a:endParaRPr kumimoji="0" lang="en-US"/>
@@ -611,14 +610,12 @@
         <p:spPr/>
         <p:txBody>
           <a:bodyPr/>
-          <a:lstStyle>
-            <a:extLst/>
-          </a:lstStyle>
+          <a:lstStyle/>
           <a:p>
             <a:fld id="{D1B9EC16-350F-4D62-AF26-42A63FE2CE76}" type="datetimeFigureOut">
               <a:rPr lang="en-US" smtClean="0"/>
               <a:pPr/>
-              <a:t>8/20/2013</a:t>
+              <a:t>11/6/2019</a:t>
             </a:fld>
             <a:endParaRPr lang="en-US"/>
           </a:p>
@@ -637,9 +634,7 @@
         <p:spPr/>
         <p:txBody>
           <a:bodyPr/>
-          <a:lstStyle>
-            <a:extLst/>
-          </a:lstStyle>
+          <a:lstStyle/>
           <a:p>
             <a:endParaRPr lang="en-US"/>
           </a:p>
@@ -658,9 +653,7 @@
         <p:spPr/>
         <p:txBody>
           <a:bodyPr/>
-          <a:lstStyle>
-            <a:extLst/>
-          </a:lstStyle>
+          <a:lstStyle/>
           <a:p>
             <a:fld id="{EA9ABBD6-01E7-425E-8F0E-BCED9B03E0E0}" type="slidenum">
               <a:rPr lang="en-US" smtClean="0"/>
@@ -714,15 +707,12 @@
         </p:spPr>
         <p:txBody>
           <a:bodyPr vert="eaVert"/>
-          <a:lstStyle>
-            <a:extLst/>
-          </a:lstStyle>
-          <a:p>
-            <a:r>
-              <a:rPr kumimoji="0" lang="en-US" smtClean="0"/>
+          <a:lstStyle/>
+          <a:p>
+            <a:r>
+              <a:rPr kumimoji="0" lang="en-US"/>
               <a:t>Click to edit Master title style</a:t>
             </a:r>
-            <a:endParaRPr kumimoji="0" lang="en-US"/>
           </a:p>
         </p:txBody>
       </p:sp>
@@ -744,41 +734,39 @@
         </p:spPr>
         <p:txBody>
           <a:bodyPr vert="eaVert"/>
-          <a:lstStyle>
-            <a:extLst/>
-          </a:lstStyle>
+          <a:lstStyle/>
           <a:p>
             <a:pPr lvl="0" eaLnBrk="1" latinLnBrk="0" hangingPunct="1"/>
             <a:r>
-              <a:rPr lang="en-US" smtClean="0"/>
+              <a:rPr lang="en-US"/>
               <a:t>Click to edit Master text styles</a:t>
             </a:r>
           </a:p>
           <a:p>
             <a:pPr lvl="1" eaLnBrk="1" latinLnBrk="0" hangingPunct="1"/>
             <a:r>
-              <a:rPr lang="en-US" smtClean="0"/>
+              <a:rPr lang="en-US"/>
               <a:t>Second level</a:t>
             </a:r>
           </a:p>
           <a:p>
             <a:pPr lvl="2" eaLnBrk="1" latinLnBrk="0" hangingPunct="1"/>
             <a:r>
-              <a:rPr lang="en-US" smtClean="0"/>
+              <a:rPr lang="en-US"/>
               <a:t>Third level</a:t>
             </a:r>
           </a:p>
           <a:p>
             <a:pPr lvl="3" eaLnBrk="1" latinLnBrk="0" hangingPunct="1"/>
             <a:r>
-              <a:rPr lang="en-US" smtClean="0"/>
+              <a:rPr lang="en-US"/>
               <a:t>Fourth level</a:t>
             </a:r>
           </a:p>
           <a:p>
             <a:pPr lvl="4" eaLnBrk="1" latinLnBrk="0" hangingPunct="1"/>
             <a:r>
-              <a:rPr lang="en-US" smtClean="0"/>
+              <a:rPr lang="en-US"/>
               <a:t>Fifth level</a:t>
             </a:r>
             <a:endParaRPr kumimoji="0" lang="en-US"/>
@@ -798,14 +786,12 @@
         <p:spPr/>
         <p:txBody>
           <a:bodyPr/>
-          <a:lstStyle>
-            <a:extLst/>
-          </a:lstStyle>
+          <a:lstStyle/>
           <a:p>
             <a:fld id="{D1B9EC16-350F-4D62-AF26-42A63FE2CE76}" type="datetimeFigureOut">
               <a:rPr lang="en-US" smtClean="0"/>
               <a:pPr/>
-              <a:t>8/20/2013</a:t>
+              <a:t>11/6/2019</a:t>
             </a:fld>
             <a:endParaRPr lang="en-US"/>
           </a:p>
@@ -824,9 +810,7 @@
         <p:spPr/>
         <p:txBody>
           <a:bodyPr/>
-          <a:lstStyle>
-            <a:extLst/>
-          </a:lstStyle>
+          <a:lstStyle/>
           <a:p>
             <a:endParaRPr lang="en-US"/>
           </a:p>
@@ -845,9 +829,7 @@
         <p:spPr/>
         <p:txBody>
           <a:bodyPr/>
-          <a:lstStyle>
-            <a:extLst/>
-          </a:lstStyle>
+          <a:lstStyle/>
           <a:p>
             <a:fld id="{EA9ABBD6-01E7-425E-8F0E-BCED9B03E0E0}" type="slidenum">
               <a:rPr lang="en-US" smtClean="0"/>
@@ -901,15 +883,12 @@
         </p:spPr>
         <p:txBody>
           <a:bodyPr/>
-          <a:lstStyle>
-            <a:extLst/>
-          </a:lstStyle>
-          <a:p>
-            <a:r>
-              <a:rPr kumimoji="0" lang="en-US" smtClean="0"/>
+          <a:lstStyle/>
+          <a:p>
+            <a:r>
+              <a:rPr kumimoji="0" lang="en-US"/>
               <a:t>Click to edit Master title style</a:t>
             </a:r>
-            <a:endParaRPr kumimoji="0" lang="en-US"/>
           </a:p>
         </p:txBody>
       </p:sp>
@@ -931,41 +910,39 @@
         </p:spPr>
         <p:txBody>
           <a:bodyPr/>
-          <a:lstStyle>
-            <a:extLst/>
-          </a:lstStyle>
+          <a:lstStyle/>
           <a:p>
             <a:pPr lvl="0" eaLnBrk="1" latinLnBrk="0" hangingPunct="1"/>
             <a:r>
-              <a:rPr lang="en-US" smtClean="0"/>
+              <a:rPr lang="en-US"/>
               <a:t>Click to edit Master text styles</a:t>
             </a:r>
           </a:p>
           <a:p>
             <a:pPr lvl="1" eaLnBrk="1" latinLnBrk="0" hangingPunct="1"/>
             <a:r>
-              <a:rPr lang="en-US" smtClean="0"/>
+              <a:rPr lang="en-US"/>
               <a:t>Second level</a:t>
             </a:r>
           </a:p>
           <a:p>
             <a:pPr lvl="2" eaLnBrk="1" latinLnBrk="0" hangingPunct="1"/>
             <a:r>
-              <a:rPr lang="en-US" smtClean="0"/>
+              <a:rPr lang="en-US"/>
               <a:t>Third level</a:t>
             </a:r>
           </a:p>
           <a:p>
             <a:pPr lvl="3" eaLnBrk="1" latinLnBrk="0" hangingPunct="1"/>
             <a:r>
-              <a:rPr lang="en-US" smtClean="0"/>
+              <a:rPr lang="en-US"/>
               <a:t>Fourth level</a:t>
             </a:r>
           </a:p>
           <a:p>
             <a:pPr lvl="4" eaLnBrk="1" latinLnBrk="0" hangingPunct="1"/>
             <a:r>
-              <a:rPr lang="en-US" smtClean="0"/>
+              <a:rPr lang="en-US"/>
               <a:t>Fifth level</a:t>
             </a:r>
             <a:endParaRPr kumimoji="0" lang="en-US"/>
@@ -985,14 +962,12 @@
         <p:spPr/>
         <p:txBody>
           <a:bodyPr/>
-          <a:lstStyle>
-            <a:extLst/>
-          </a:lstStyle>
+          <a:lstStyle/>
           <a:p>
             <a:fld id="{D1B9EC16-350F-4D62-AF26-42A63FE2CE76}" type="datetimeFigureOut">
               <a:rPr lang="en-US" smtClean="0"/>
               <a:pPr/>
-              <a:t>8/20/2013</a:t>
+              <a:t>11/6/2019</a:t>
             </a:fld>
             <a:endParaRPr lang="en-US"/>
           </a:p>
@@ -1011,9 +986,7 @@
         <p:spPr/>
         <p:txBody>
           <a:bodyPr/>
-          <a:lstStyle>
-            <a:extLst/>
-          </a:lstStyle>
+          <a:lstStyle/>
           <a:p>
             <a:endParaRPr lang="en-US"/>
           </a:p>
@@ -1032,9 +1005,7 @@
         <p:spPr/>
         <p:txBody>
           <a:bodyPr/>
-          <a:lstStyle>
-            <a:extLst/>
-          </a:lstStyle>
+          <a:lstStyle/>
           <a:p>
             <a:fld id="{EA9ABBD6-01E7-425E-8F0E-BCED9B03E0E0}" type="slidenum">
               <a:rPr lang="en-US" smtClean="0"/>
@@ -1145,9 +1116,7 @@
         </p:style>
         <p:txBody>
           <a:bodyPr anchor="ctr"/>
-          <a:lstStyle>
-            <a:extLst/>
-          </a:lstStyle>
+          <a:lstStyle/>
           <a:p>
             <a:pPr algn="ctr" eaLnBrk="1" latinLnBrk="0" hangingPunct="1"/>
             <a:endParaRPr kumimoji="0" lang="en-US"/>
@@ -1217,9 +1186,7 @@
         </p:style>
         <p:txBody>
           <a:bodyPr anchor="ctr"/>
-          <a:lstStyle>
-            <a:extLst/>
-          </a:lstStyle>
+          <a:lstStyle/>
           <a:p>
             <a:pPr algn="ctr" eaLnBrk="1" latinLnBrk="0" hangingPunct="1"/>
             <a:endParaRPr kumimoji="0" lang="en-US"/>
@@ -1260,10 +1227,9 @@
           </a:lstStyle>
           <a:p>
             <a:r>
-              <a:rPr kumimoji="0" lang="en-US" smtClean="0"/>
+              <a:rPr kumimoji="0" lang="en-US"/>
               <a:t>Click to edit Master title style</a:t>
             </a:r>
-            <a:endParaRPr kumimoji="0" lang="en-US"/>
           </a:p>
         </p:txBody>
       </p:sp>
@@ -1349,7 +1315,7 @@
           <a:p>
             <a:pPr lvl="0" eaLnBrk="1" latinLnBrk="0" hangingPunct="1"/>
             <a:r>
-              <a:rPr kumimoji="0" lang="en-US" smtClean="0"/>
+              <a:rPr kumimoji="0" lang="en-US"/>
               <a:t>Click to edit Master text styles</a:t>
             </a:r>
           </a:p>
@@ -1368,14 +1334,12 @@
         <p:spPr/>
         <p:txBody>
           <a:bodyPr/>
-          <a:lstStyle>
-            <a:extLst/>
-          </a:lstStyle>
+          <a:lstStyle/>
           <a:p>
             <a:fld id="{D1B9EC16-350F-4D62-AF26-42A63FE2CE76}" type="datetimeFigureOut">
               <a:rPr lang="en-US" smtClean="0"/>
               <a:pPr/>
-              <a:t>8/20/2013</a:t>
+              <a:t>11/6/2019</a:t>
             </a:fld>
             <a:endParaRPr lang="en-US"/>
           </a:p>
@@ -1394,9 +1358,7 @@
         <p:spPr/>
         <p:txBody>
           <a:bodyPr/>
-          <a:lstStyle>
-            <a:extLst/>
-          </a:lstStyle>
+          <a:lstStyle/>
           <a:p>
             <a:endParaRPr lang="en-US"/>
           </a:p>
@@ -1415,9 +1377,7 @@
         <p:spPr/>
         <p:txBody>
           <a:bodyPr/>
-          <a:lstStyle>
-            <a:extLst/>
-          </a:lstStyle>
+          <a:lstStyle/>
           <a:p>
             <a:fld id="{EA9ABBD6-01E7-425E-8F0E-BCED9B03E0E0}" type="slidenum">
               <a:rPr lang="en-US" smtClean="0"/>
@@ -1466,15 +1426,12 @@
         <p:spPr/>
         <p:txBody>
           <a:bodyPr/>
-          <a:lstStyle>
-            <a:extLst/>
-          </a:lstStyle>
-          <a:p>
-            <a:r>
-              <a:rPr kumimoji="0" lang="en-US" smtClean="0"/>
+          <a:lstStyle/>
+          <a:p>
+            <a:r>
+              <a:rPr kumimoji="0" lang="en-US"/>
               <a:t>Click to edit Master title style</a:t>
             </a:r>
-            <a:endParaRPr kumimoji="0" lang="en-US"/>
           </a:p>
         </p:txBody>
       </p:sp>
@@ -1517,35 +1474,35 @@
           <a:p>
             <a:pPr lvl="0" eaLnBrk="1" latinLnBrk="0" hangingPunct="1"/>
             <a:r>
-              <a:rPr lang="en-US" smtClean="0"/>
+              <a:rPr lang="en-US"/>
               <a:t>Click to edit Master text styles</a:t>
             </a:r>
           </a:p>
           <a:p>
             <a:pPr lvl="1" eaLnBrk="1" latinLnBrk="0" hangingPunct="1"/>
             <a:r>
-              <a:rPr lang="en-US" smtClean="0"/>
+              <a:rPr lang="en-US"/>
               <a:t>Second level</a:t>
             </a:r>
           </a:p>
           <a:p>
             <a:pPr lvl="2" eaLnBrk="1" latinLnBrk="0" hangingPunct="1"/>
             <a:r>
-              <a:rPr lang="en-US" smtClean="0"/>
+              <a:rPr lang="en-US"/>
               <a:t>Third level</a:t>
             </a:r>
           </a:p>
           <a:p>
             <a:pPr lvl="3" eaLnBrk="1" latinLnBrk="0" hangingPunct="1"/>
             <a:r>
-              <a:rPr lang="en-US" smtClean="0"/>
+              <a:rPr lang="en-US"/>
               <a:t>Fourth level</a:t>
             </a:r>
           </a:p>
           <a:p>
             <a:pPr lvl="4" eaLnBrk="1" latinLnBrk="0" hangingPunct="1"/>
             <a:r>
-              <a:rPr lang="en-US" smtClean="0"/>
+              <a:rPr lang="en-US"/>
               <a:t>Fifth level</a:t>
             </a:r>
             <a:endParaRPr kumimoji="0" lang="en-US"/>
@@ -1591,35 +1548,35 @@
           <a:p>
             <a:pPr lvl="0" eaLnBrk="1" latinLnBrk="0" hangingPunct="1"/>
             <a:r>
-              <a:rPr lang="en-US" smtClean="0"/>
+              <a:rPr lang="en-US"/>
               <a:t>Click to edit Master text styles</a:t>
             </a:r>
           </a:p>
           <a:p>
             <a:pPr lvl="1" eaLnBrk="1" latinLnBrk="0" hangingPunct="1"/>
             <a:r>
-              <a:rPr lang="en-US" smtClean="0"/>
+              <a:rPr lang="en-US"/>
               <a:t>Second level</a:t>
             </a:r>
           </a:p>
           <a:p>
             <a:pPr lvl="2" eaLnBrk="1" latinLnBrk="0" hangingPunct="1"/>
             <a:r>
-              <a:rPr lang="en-US" smtClean="0"/>
+              <a:rPr lang="en-US"/>
               <a:t>Third level</a:t>
             </a:r>
           </a:p>
           <a:p>
             <a:pPr lvl="3" eaLnBrk="1" latinLnBrk="0" hangingPunct="1"/>
             <a:r>
-              <a:rPr lang="en-US" smtClean="0"/>
+              <a:rPr lang="en-US"/>
               <a:t>Fourth level</a:t>
             </a:r>
           </a:p>
           <a:p>
             <a:pPr lvl="4" eaLnBrk="1" latinLnBrk="0" hangingPunct="1"/>
             <a:r>
-              <a:rPr lang="en-US" smtClean="0"/>
+              <a:rPr lang="en-US"/>
               <a:t>Fifth level</a:t>
             </a:r>
             <a:endParaRPr kumimoji="0" lang="en-US"/>
@@ -1639,14 +1596,12 @@
         <p:spPr/>
         <p:txBody>
           <a:bodyPr/>
-          <a:lstStyle>
-            <a:extLst/>
-          </a:lstStyle>
+          <a:lstStyle/>
           <a:p>
             <a:fld id="{D1B9EC16-350F-4D62-AF26-42A63FE2CE76}" type="datetimeFigureOut">
               <a:rPr lang="en-US" smtClean="0"/>
               <a:pPr/>
-              <a:t>8/20/2013</a:t>
+              <a:t>11/6/2019</a:t>
             </a:fld>
             <a:endParaRPr lang="en-US"/>
           </a:p>
@@ -1665,9 +1620,7 @@
         <p:spPr/>
         <p:txBody>
           <a:bodyPr/>
-          <a:lstStyle>
-            <a:extLst/>
-          </a:lstStyle>
+          <a:lstStyle/>
           <a:p>
             <a:endParaRPr lang="en-US"/>
           </a:p>
@@ -1686,9 +1639,7 @@
         <p:spPr/>
         <p:txBody>
           <a:bodyPr/>
-          <a:lstStyle>
-            <a:extLst/>
-          </a:lstStyle>
+          <a:lstStyle/>
           <a:p>
             <a:fld id="{EA9ABBD6-01E7-425E-8F0E-BCED9B03E0E0}" type="slidenum">
               <a:rPr lang="en-US" smtClean="0"/>
@@ -1750,10 +1701,9 @@
           </a:lstStyle>
           <a:p>
             <a:r>
-              <a:rPr kumimoji="0" lang="en-US" smtClean="0"/>
+              <a:rPr kumimoji="0" lang="en-US"/>
               <a:t>Click to edit Master title style</a:t>
             </a:r>
-            <a:endParaRPr kumimoji="0" lang="en-US"/>
           </a:p>
         </p:txBody>
       </p:sp>
@@ -1805,7 +1755,7 @@
           <a:p>
             <a:pPr lvl="0" eaLnBrk="1" latinLnBrk="0" hangingPunct="1"/>
             <a:r>
-              <a:rPr kumimoji="0" lang="en-US" smtClean="0"/>
+              <a:rPr kumimoji="0" lang="en-US"/>
               <a:t>Click to edit Master text styles</a:t>
             </a:r>
           </a:p>
@@ -1859,7 +1809,7 @@
           <a:p>
             <a:pPr lvl="0" eaLnBrk="1" latinLnBrk="0" hangingPunct="1"/>
             <a:r>
-              <a:rPr kumimoji="0" lang="en-US" smtClean="0"/>
+              <a:rPr kumimoji="0" lang="en-US"/>
               <a:t>Click to edit Master text styles</a:t>
             </a:r>
           </a:p>
@@ -1904,35 +1854,35 @@
           <a:p>
             <a:pPr lvl="0" eaLnBrk="1" latinLnBrk="0" hangingPunct="1"/>
             <a:r>
-              <a:rPr lang="en-US" smtClean="0"/>
+              <a:rPr lang="en-US"/>
               <a:t>Click to edit Master text styles</a:t>
             </a:r>
           </a:p>
           <a:p>
             <a:pPr lvl="1" eaLnBrk="1" latinLnBrk="0" hangingPunct="1"/>
             <a:r>
-              <a:rPr lang="en-US" smtClean="0"/>
+              <a:rPr lang="en-US"/>
               <a:t>Second level</a:t>
             </a:r>
           </a:p>
           <a:p>
             <a:pPr lvl="2" eaLnBrk="1" latinLnBrk="0" hangingPunct="1"/>
             <a:r>
-              <a:rPr lang="en-US" smtClean="0"/>
+              <a:rPr lang="en-US"/>
               <a:t>Third level</a:t>
             </a:r>
           </a:p>
           <a:p>
             <a:pPr lvl="3" eaLnBrk="1" latinLnBrk="0" hangingPunct="1"/>
             <a:r>
-              <a:rPr lang="en-US" smtClean="0"/>
+              <a:rPr lang="en-US"/>
               <a:t>Fourth level</a:t>
             </a:r>
           </a:p>
           <a:p>
             <a:pPr lvl="4" eaLnBrk="1" latinLnBrk="0" hangingPunct="1"/>
             <a:r>
-              <a:rPr lang="en-US" smtClean="0"/>
+              <a:rPr lang="en-US"/>
               <a:t>Fifth level</a:t>
             </a:r>
             <a:endParaRPr kumimoji="0" lang="en-US"/>
@@ -1978,35 +1928,35 @@
           <a:p>
             <a:pPr lvl="0" eaLnBrk="1" latinLnBrk="0" hangingPunct="1"/>
             <a:r>
-              <a:rPr lang="en-US" smtClean="0"/>
+              <a:rPr lang="en-US"/>
               <a:t>Click to edit Master text styles</a:t>
             </a:r>
           </a:p>
           <a:p>
             <a:pPr lvl="1" eaLnBrk="1" latinLnBrk="0" hangingPunct="1"/>
             <a:r>
-              <a:rPr lang="en-US" smtClean="0"/>
+              <a:rPr lang="en-US"/>
               <a:t>Second level</a:t>
             </a:r>
           </a:p>
           <a:p>
             <a:pPr lvl="2" eaLnBrk="1" latinLnBrk="0" hangingPunct="1"/>
             <a:r>
-              <a:rPr lang="en-US" smtClean="0"/>
+              <a:rPr lang="en-US"/>
               <a:t>Third level</a:t>
             </a:r>
           </a:p>
           <a:p>
             <a:pPr lvl="3" eaLnBrk="1" latinLnBrk="0" hangingPunct="1"/>
             <a:r>
-              <a:rPr lang="en-US" smtClean="0"/>
+              <a:rPr lang="en-US"/>
               <a:t>Fourth level</a:t>
             </a:r>
           </a:p>
           <a:p>
             <a:pPr lvl="4" eaLnBrk="1" latinLnBrk="0" hangingPunct="1"/>
             <a:r>
-              <a:rPr lang="en-US" smtClean="0"/>
+              <a:rPr lang="en-US"/>
               <a:t>Fifth level</a:t>
             </a:r>
             <a:endParaRPr kumimoji="0" lang="en-US"/>
@@ -2026,14 +1976,12 @@
         <p:spPr/>
         <p:txBody>
           <a:bodyPr/>
-          <a:lstStyle>
-            <a:extLst/>
-          </a:lstStyle>
+          <a:lstStyle/>
           <a:p>
             <a:fld id="{D1B9EC16-350F-4D62-AF26-42A63FE2CE76}" type="datetimeFigureOut">
               <a:rPr lang="en-US" smtClean="0"/>
               <a:pPr/>
-              <a:t>8/20/2013</a:t>
+              <a:t>11/6/2019</a:t>
             </a:fld>
             <a:endParaRPr lang="en-US"/>
           </a:p>
@@ -2052,9 +2000,7 @@
         <p:spPr/>
         <p:txBody>
           <a:bodyPr/>
-          <a:lstStyle>
-            <a:extLst/>
-          </a:lstStyle>
+          <a:lstStyle/>
           <a:p>
             <a:endParaRPr lang="en-US"/>
           </a:p>
@@ -2073,9 +2019,7 @@
         <p:spPr/>
         <p:txBody>
           <a:bodyPr/>
-          <a:lstStyle>
-            <a:extLst/>
-          </a:lstStyle>
+          <a:lstStyle/>
           <a:p>
             <a:fld id="{EA9ABBD6-01E7-425E-8F0E-BCED9B03E0E0}" type="slidenum">
               <a:rPr lang="en-US" smtClean="0"/>
@@ -2124,15 +2068,12 @@
         <p:spPr/>
         <p:txBody>
           <a:bodyPr/>
-          <a:lstStyle>
-            <a:extLst/>
-          </a:lstStyle>
-          <a:p>
-            <a:r>
-              <a:rPr kumimoji="0" lang="en-US" smtClean="0"/>
+          <a:lstStyle/>
+          <a:p>
+            <a:r>
+              <a:rPr kumimoji="0" lang="en-US"/>
               <a:t>Click to edit Master title style</a:t>
             </a:r>
-            <a:endParaRPr kumimoji="0" lang="en-US"/>
           </a:p>
         </p:txBody>
       </p:sp>
@@ -2149,14 +2090,12 @@
         <p:spPr/>
         <p:txBody>
           <a:bodyPr/>
-          <a:lstStyle>
-            <a:extLst/>
-          </a:lstStyle>
+          <a:lstStyle/>
           <a:p>
             <a:fld id="{D1B9EC16-350F-4D62-AF26-42A63FE2CE76}" type="datetimeFigureOut">
               <a:rPr lang="en-US" smtClean="0"/>
               <a:pPr/>
-              <a:t>8/20/2013</a:t>
+              <a:t>11/6/2019</a:t>
             </a:fld>
             <a:endParaRPr lang="en-US"/>
           </a:p>
@@ -2175,9 +2114,7 @@
         <p:spPr/>
         <p:txBody>
           <a:bodyPr/>
-          <a:lstStyle>
-            <a:extLst/>
-          </a:lstStyle>
+          <a:lstStyle/>
           <a:p>
             <a:endParaRPr lang="en-US"/>
           </a:p>
@@ -2196,9 +2133,7 @@
         <p:spPr/>
         <p:txBody>
           <a:bodyPr/>
-          <a:lstStyle>
-            <a:extLst/>
-          </a:lstStyle>
+          <a:lstStyle/>
           <a:p>
             <a:fld id="{EA9ABBD6-01E7-425E-8F0E-BCED9B03E0E0}" type="slidenum">
               <a:rPr lang="en-US" smtClean="0"/>
@@ -2309,9 +2244,7 @@
         </p:style>
         <p:txBody>
           <a:bodyPr anchor="ctr"/>
-          <a:lstStyle>
-            <a:extLst/>
-          </a:lstStyle>
+          <a:lstStyle/>
           <a:p>
             <a:pPr algn="ctr" eaLnBrk="1" latinLnBrk="0" hangingPunct="1"/>
             <a:endParaRPr kumimoji="0" lang="en-US"/>
@@ -2331,14 +2264,12 @@
         <p:spPr/>
         <p:txBody>
           <a:bodyPr/>
-          <a:lstStyle>
-            <a:extLst/>
-          </a:lstStyle>
+          <a:lstStyle/>
           <a:p>
             <a:fld id="{D1B9EC16-350F-4D62-AF26-42A63FE2CE76}" type="datetimeFigureOut">
               <a:rPr lang="en-US" smtClean="0"/>
               <a:pPr/>
-              <a:t>8/20/2013</a:t>
+              <a:t>11/6/2019</a:t>
             </a:fld>
             <a:endParaRPr lang="en-US"/>
           </a:p>
@@ -2357,9 +2288,7 @@
         <p:spPr/>
         <p:txBody>
           <a:bodyPr/>
-          <a:lstStyle>
-            <a:extLst/>
-          </a:lstStyle>
+          <a:lstStyle/>
           <a:p>
             <a:endParaRPr lang="en-US"/>
           </a:p>
@@ -2378,9 +2307,7 @@
         <p:spPr/>
         <p:txBody>
           <a:bodyPr/>
-          <a:lstStyle>
-            <a:extLst/>
-          </a:lstStyle>
+          <a:lstStyle/>
           <a:p>
             <a:fld id="{EA9ABBD6-01E7-425E-8F0E-BCED9B03E0E0}" type="slidenum">
               <a:rPr lang="en-US" smtClean="0"/>
@@ -2447,10 +2374,9 @@
           </a:lstStyle>
           <a:p>
             <a:r>
-              <a:rPr kumimoji="0" lang="en-US" smtClean="0"/>
+              <a:rPr kumimoji="0" lang="en-US"/>
               <a:t>Click to edit Master title style</a:t>
             </a:r>
-            <a:endParaRPr kumimoji="0" lang="en-US"/>
           </a:p>
         </p:txBody>
       </p:sp>
@@ -2521,35 +2447,35 @@
           <a:p>
             <a:pPr lvl="0" eaLnBrk="1" latinLnBrk="0" hangingPunct="1"/>
             <a:r>
-              <a:rPr lang="en-US" smtClean="0"/>
+              <a:rPr lang="en-US"/>
               <a:t>Click to edit Master text styles</a:t>
             </a:r>
           </a:p>
           <a:p>
             <a:pPr lvl="1" eaLnBrk="1" latinLnBrk="0" hangingPunct="1"/>
             <a:r>
-              <a:rPr lang="en-US" smtClean="0"/>
+              <a:rPr lang="en-US"/>
               <a:t>Second level</a:t>
             </a:r>
           </a:p>
           <a:p>
             <a:pPr lvl="2" eaLnBrk="1" latinLnBrk="0" hangingPunct="1"/>
             <a:r>
-              <a:rPr lang="en-US" smtClean="0"/>
+              <a:rPr lang="en-US"/>
               <a:t>Third level</a:t>
             </a:r>
           </a:p>
           <a:p>
             <a:pPr lvl="3" eaLnBrk="1" latinLnBrk="0" hangingPunct="1"/>
             <a:r>
-              <a:rPr lang="en-US" smtClean="0"/>
+              <a:rPr lang="en-US"/>
               <a:t>Fourth level</a:t>
             </a:r>
           </a:p>
           <a:p>
             <a:pPr lvl="4" eaLnBrk="1" latinLnBrk="0" hangingPunct="1"/>
             <a:r>
-              <a:rPr lang="en-US" smtClean="0"/>
+              <a:rPr lang="en-US"/>
               <a:t>Fifth level</a:t>
             </a:r>
             <a:endParaRPr kumimoji="0" lang="en-US"/>
@@ -2619,35 +2545,35 @@
           <a:p>
             <a:pPr lvl="0" eaLnBrk="1" latinLnBrk="0" hangingPunct="1"/>
             <a:r>
-              <a:rPr lang="en-US" smtClean="0"/>
+              <a:rPr lang="en-US"/>
               <a:t>Click to edit Master text styles</a:t>
             </a:r>
           </a:p>
           <a:p>
             <a:pPr lvl="1" eaLnBrk="1" latinLnBrk="0" hangingPunct="1"/>
             <a:r>
-              <a:rPr lang="en-US" smtClean="0"/>
+              <a:rPr lang="en-US"/>
               <a:t>Second level</a:t>
             </a:r>
           </a:p>
           <a:p>
             <a:pPr lvl="2" eaLnBrk="1" latinLnBrk="0" hangingPunct="1"/>
             <a:r>
-              <a:rPr lang="en-US" smtClean="0"/>
+              <a:rPr lang="en-US"/>
               <a:t>Third level</a:t>
             </a:r>
           </a:p>
           <a:p>
             <a:pPr lvl="3" eaLnBrk="1" latinLnBrk="0" hangingPunct="1"/>
             <a:r>
-              <a:rPr lang="en-US" smtClean="0"/>
+              <a:rPr lang="en-US"/>
               <a:t>Fourth level</a:t>
             </a:r>
           </a:p>
           <a:p>
             <a:pPr lvl="4" eaLnBrk="1" latinLnBrk="0" hangingPunct="1"/>
             <a:r>
-              <a:rPr lang="en-US" smtClean="0"/>
+              <a:rPr lang="en-US"/>
               <a:t>Fifth level</a:t>
             </a:r>
             <a:endParaRPr kumimoji="0" lang="en-US"/>
@@ -2667,14 +2593,12 @@
         <p:spPr/>
         <p:txBody>
           <a:bodyPr/>
-          <a:lstStyle>
-            <a:extLst/>
-          </a:lstStyle>
+          <a:lstStyle/>
           <a:p>
             <a:fld id="{D1B9EC16-350F-4D62-AF26-42A63FE2CE76}" type="datetimeFigureOut">
               <a:rPr lang="en-US" smtClean="0"/>
               <a:pPr/>
-              <a:t>8/20/2013</a:t>
+              <a:t>11/6/2019</a:t>
             </a:fld>
             <a:endParaRPr lang="en-US"/>
           </a:p>
@@ -2693,9 +2617,7 @@
         <p:spPr/>
         <p:txBody>
           <a:bodyPr/>
-          <a:lstStyle>
-            <a:extLst/>
-          </a:lstStyle>
+          <a:lstStyle/>
           <a:p>
             <a:endParaRPr lang="en-US"/>
           </a:p>
@@ -2714,9 +2636,7 @@
         <p:spPr/>
         <p:txBody>
           <a:bodyPr/>
-          <a:lstStyle>
-            <a:extLst/>
-          </a:lstStyle>
+          <a:lstStyle/>
           <a:p>
             <a:fld id="{EA9ABBD6-01E7-425E-8F0E-BCED9B03E0E0}" type="slidenum">
               <a:rPr lang="en-US" smtClean="0"/>
@@ -2827,9 +2747,7 @@
         </p:style>
         <p:txBody>
           <a:bodyPr anchor="ctr"/>
-          <a:lstStyle>
-            <a:extLst/>
-          </a:lstStyle>
+          <a:lstStyle/>
           <a:p>
             <a:pPr algn="ctr" eaLnBrk="1" latinLnBrk="0" hangingPunct="1"/>
             <a:endParaRPr kumimoji="0" lang="en-US"/>
@@ -2877,9 +2795,7 @@
         </p:style>
         <p:txBody>
           <a:bodyPr anchor="ctr"/>
-          <a:lstStyle>
-            <a:extLst/>
-          </a:lstStyle>
+          <a:lstStyle/>
           <a:p>
             <a:pPr algn="ctr" eaLnBrk="1" latinLnBrk="0" hangingPunct="1"/>
             <a:endParaRPr kumimoji="0" lang="en-US"/>
@@ -2920,10 +2836,9 @@
           </a:lstStyle>
           <a:p>
             <a:r>
-              <a:rPr kumimoji="0" lang="en-US" smtClean="0"/>
+              <a:rPr kumimoji="0" lang="en-US"/>
               <a:t>Click to edit Master title style</a:t>
             </a:r>
-            <a:endParaRPr kumimoji="0" lang="en-US"/>
           </a:p>
         </p:txBody>
       </p:sp>
@@ -2990,35 +2905,35 @@
           <a:p>
             <a:pPr lvl="0" eaLnBrk="1" latinLnBrk="0" hangingPunct="1"/>
             <a:r>
-              <a:rPr lang="en-US" smtClean="0"/>
+              <a:rPr lang="en-US"/>
               <a:t>Click to edit Master text styles</a:t>
             </a:r>
           </a:p>
           <a:p>
             <a:pPr lvl="1" eaLnBrk="1" latinLnBrk="0" hangingPunct="1"/>
             <a:r>
-              <a:rPr lang="en-US" smtClean="0"/>
+              <a:rPr lang="en-US"/>
               <a:t>Second level</a:t>
             </a:r>
           </a:p>
           <a:p>
             <a:pPr lvl="2" eaLnBrk="1" latinLnBrk="0" hangingPunct="1"/>
             <a:r>
-              <a:rPr lang="en-US" smtClean="0"/>
+              <a:rPr lang="en-US"/>
               <a:t>Third level</a:t>
             </a:r>
           </a:p>
           <a:p>
             <a:pPr lvl="3" eaLnBrk="1" latinLnBrk="0" hangingPunct="1"/>
             <a:r>
-              <a:rPr lang="en-US" smtClean="0"/>
+              <a:rPr lang="en-US"/>
               <a:t>Fourth level</a:t>
             </a:r>
           </a:p>
           <a:p>
             <a:pPr lvl="4" eaLnBrk="1" latinLnBrk="0" hangingPunct="1"/>
             <a:r>
-              <a:rPr lang="en-US" smtClean="0"/>
+              <a:rPr lang="en-US"/>
               <a:t>Fifth level</a:t>
             </a:r>
             <a:endParaRPr kumimoji="0" lang="en-US"/>
@@ -3038,14 +2953,12 @@
         <p:spPr/>
         <p:txBody>
           <a:bodyPr/>
-          <a:lstStyle>
-            <a:extLst/>
-          </a:lstStyle>
+          <a:lstStyle/>
           <a:p>
             <a:fld id="{D1B9EC16-350F-4D62-AF26-42A63FE2CE76}" type="datetimeFigureOut">
               <a:rPr lang="en-US" smtClean="0"/>
               <a:pPr/>
-              <a:t>8/20/2013</a:t>
+              <a:t>11/6/2019</a:t>
             </a:fld>
             <a:endParaRPr lang="en-US"/>
           </a:p>
@@ -3064,9 +2977,7 @@
         <p:spPr/>
         <p:txBody>
           <a:bodyPr/>
-          <a:lstStyle>
-            <a:extLst/>
-          </a:lstStyle>
+          <a:lstStyle/>
           <a:p>
             <a:endParaRPr lang="en-US"/>
           </a:p>
@@ -3085,9 +2996,7 @@
         <p:spPr/>
         <p:txBody>
           <a:bodyPr/>
-          <a:lstStyle>
-            <a:extLst/>
-          </a:lstStyle>
+          <a:lstStyle/>
           <a:p>
             <a:fld id="{EA9ABBD6-01E7-425E-8F0E-BCED9B03E0E0}" type="slidenum">
               <a:rPr lang="en-US" smtClean="0"/>
@@ -3136,10 +3045,9 @@
           </a:lstStyle>
           <a:p>
             <a:r>
-              <a:rPr kumimoji="0" lang="en-US" smtClean="0"/>
+              <a:rPr kumimoji="0" lang="en-US"/>
               <a:t>Click icon to add picture</a:t>
             </a:r>
-            <a:endParaRPr kumimoji="0" lang="en-US"/>
           </a:p>
         </p:txBody>
       </p:sp>
@@ -3248,9 +3156,7 @@
         </p:style>
         <p:txBody>
           <a:bodyPr anchor="ctr"/>
-          <a:lstStyle>
-            <a:extLst/>
-          </a:lstStyle>
+          <a:lstStyle/>
           <a:p>
             <a:pPr algn="ctr" eaLnBrk="1" latinLnBrk="0" hangingPunct="1"/>
             <a:endParaRPr kumimoji="0" lang="en-US"/>
@@ -3320,9 +3226,7 @@
         </p:style>
         <p:txBody>
           <a:bodyPr anchor="ctr"/>
-          <a:lstStyle>
-            <a:extLst/>
-          </a:lstStyle>
+          <a:lstStyle/>
           <a:p>
             <a:pPr algn="ctr" eaLnBrk="1" latinLnBrk="0" hangingPunct="1"/>
             <a:endParaRPr kumimoji="0" lang="en-US"/>
@@ -3352,15 +3256,12 @@
           <a:bodyPr vert="horz" anchor="b">
             <a:normAutofit/>
           </a:bodyPr>
-          <a:lstStyle>
-            <a:extLst/>
-          </a:lstStyle>
-          <a:p>
-            <a:r>
-              <a:rPr kumimoji="0" lang="en-US" smtClean="0"/>
+          <a:lstStyle/>
+          <a:p>
+            <a:r>
+              <a:rPr kumimoji="0" lang="en-US"/>
               <a:t>Click to edit Master title style</a:t>
             </a:r>
-            <a:endParaRPr kumimoji="0" lang="en-US"/>
           </a:p>
         </p:txBody>
       </p:sp>
@@ -3387,44 +3288,41 @@
           <a:bodyPr vert="horz" lIns="182880" tIns="91440">
             <a:normAutofit/>
           </a:bodyPr>
-          <a:lstStyle>
-            <a:extLst/>
-          </a:lstStyle>
+          <a:lstStyle/>
           <a:p>
             <a:pPr lvl="0" eaLnBrk="1" latinLnBrk="0" hangingPunct="1"/>
             <a:r>
-              <a:rPr kumimoji="0" lang="en-US" smtClean="0"/>
+              <a:rPr kumimoji="0" lang="en-US"/>
               <a:t>Click to edit Master text styles</a:t>
             </a:r>
           </a:p>
           <a:p>
             <a:pPr lvl="1" eaLnBrk="1" latinLnBrk="0" hangingPunct="1"/>
             <a:r>
-              <a:rPr kumimoji="0" lang="en-US" smtClean="0"/>
+              <a:rPr kumimoji="0" lang="en-US"/>
               <a:t>Second level</a:t>
             </a:r>
           </a:p>
           <a:p>
             <a:pPr lvl="2" eaLnBrk="1" latinLnBrk="0" hangingPunct="1"/>
             <a:r>
-              <a:rPr kumimoji="0" lang="en-US" smtClean="0"/>
+              <a:rPr kumimoji="0" lang="en-US"/>
               <a:t>Third level</a:t>
             </a:r>
           </a:p>
           <a:p>
             <a:pPr lvl="3" eaLnBrk="1" latinLnBrk="0" hangingPunct="1"/>
             <a:r>
-              <a:rPr kumimoji="0" lang="en-US" smtClean="0"/>
+              <a:rPr kumimoji="0" lang="en-US"/>
               <a:t>Fourth level</a:t>
             </a:r>
           </a:p>
           <a:p>
             <a:pPr lvl="4" eaLnBrk="1" latinLnBrk="0" hangingPunct="1"/>
             <a:r>
-              <a:rPr kumimoji="0" lang="en-US" smtClean="0"/>
+              <a:rPr kumimoji="0" lang="en-US"/>
               <a:t>Fifth level</a:t>
             </a:r>
-            <a:endParaRPr kumimoji="0" lang="en-US"/>
           </a:p>
         </p:txBody>
       </p:sp>
@@ -3465,7 +3363,7 @@
             <a:fld id="{D1B9EC16-350F-4D62-AF26-42A63FE2CE76}" type="datetimeFigureOut">
               <a:rPr lang="en-US" smtClean="0"/>
               <a:pPr/>
-              <a:t>8/20/2013</a:t>
+              <a:t>11/6/2019</a:t>
             </a:fld>
             <a:endParaRPr lang="en-US"/>
           </a:p>
@@ -3922,10 +3820,9 @@
           <a:lstStyle/>
           <a:p>
             <a:r>
-              <a:rPr lang="en-US" dirty="0" smtClean="0"/>
+              <a:rPr lang="en-US" dirty="0"/>
               <a:t>Nation (Nationalism and Nation-state) </a:t>
             </a:r>
-            <a:endParaRPr lang="en-US" dirty="0"/>
           </a:p>
         </p:txBody>
       </p:sp>
@@ -3945,10 +3842,9 @@
           <a:lstStyle/>
           <a:p>
             <a:r>
-              <a:rPr lang="en-US" dirty="0" smtClean="0"/>
+              <a:rPr lang="en-US" dirty="0"/>
               <a:t>Dr. Bernard D’ Sami</a:t>
             </a:r>
-            <a:endParaRPr lang="en-US" dirty="0"/>
           </a:p>
         </p:txBody>
       </p:sp>
@@ -4012,12 +3908,8 @@
           <a:lstStyle/>
           <a:p>
             <a:r>
-              <a:rPr lang="en-US" dirty="0" smtClean="0"/>
-              <a:t>The </a:t>
-            </a:r>
-            <a:r>
               <a:rPr lang="en-US" dirty="0"/>
-              <a:t>nature of that bond and its well-spring remain shadowy and elusive and the consequent difficulty of defining the </a:t>
+              <a:t>The nature of that bond and its well-spring remain shadowy and elusive and the consequent difficulty of defining the </a:t>
             </a:r>
             <a:r>
               <a:rPr lang="en-US" i="1" dirty="0"/>
@@ -4207,15 +4099,11 @@
           <a:lstStyle/>
           <a:p>
             <a:r>
-              <a:rPr lang="en-US" dirty="0" smtClean="0"/>
+              <a:rPr lang="en-US" dirty="0"/>
               <a:t>Factors contributed evolution of Nation</a:t>
             </a:r>
-            <a:r>
-              <a:rPr lang="en-US" dirty="0" smtClean="0"/>
-              <a:t/>
-            </a:r>
             <a:br>
-              <a:rPr lang="en-US" dirty="0" smtClean="0"/>
+              <a:rPr lang="en-US" dirty="0"/>
             </a:br>
             <a:endParaRPr lang="en-US" dirty="0"/>
           </a:p>
@@ -4237,10 +4125,9 @@
           <a:lstStyle/>
           <a:p>
             <a:r>
-              <a:rPr lang="en-US" dirty="0" smtClean="0"/>
+              <a:rPr lang="en-US" dirty="0"/>
               <a:t>1. Common race and kinship – due to was migrations, conquests, travels, inter-marriage,  racial-mixing – over thousands of years – the elements of race and kinship have lost importance and most of the modern nations comprise of people of diverse racial groups</a:t>
             </a:r>
-            <a:endParaRPr lang="en-US" dirty="0"/>
           </a:p>
         </p:txBody>
       </p:sp>
@@ -4307,10 +4194,9 @@
               <a:buNone/>
             </a:pPr>
             <a:r>
-              <a:rPr lang="en-US" dirty="0" smtClean="0"/>
+              <a:rPr lang="en-US" dirty="0"/>
               <a:t>2. Community of Religion – Religion played an important role – Medieval age – in the modern times religion has lost its importance and we find people profession different religions inhabiting the same state.  Modern age is an age of democracy and secularism.</a:t>
             </a:r>
-            <a:endParaRPr lang="en-US" dirty="0"/>
           </a:p>
         </p:txBody>
       </p:sp>
@@ -4377,31 +4263,26 @@
               <a:buNone/>
             </a:pPr>
             <a:r>
-              <a:rPr lang="en-US" dirty="0" smtClean="0"/>
+              <a:rPr lang="en-US" dirty="0"/>
               <a:t>3. Community of language – language a major factor for the creation of a nation – </a:t>
             </a:r>
           </a:p>
           <a:p>
             <a:r>
-              <a:rPr lang="en-US" dirty="0" smtClean="0"/>
+              <a:rPr lang="en-US" dirty="0"/>
               <a:t>US, UK and </a:t>
             </a:r>
             <a:r>
-              <a:rPr lang="en-US" dirty="0" err="1" smtClean="0"/>
+              <a:rPr lang="en-US" dirty="0" err="1"/>
               <a:t>Switzwerland</a:t>
             </a:r>
-            <a:endParaRPr lang="en-US" dirty="0" smtClean="0"/>
-          </a:p>
-          <a:p>
-            <a:r>
-              <a:rPr lang="en-US" dirty="0" smtClean="0"/>
-              <a:t>Canada </a:t>
-            </a:r>
-            <a:r>
-              <a:rPr lang="en-US" dirty="0" smtClean="0"/>
-              <a:t>– referendum -The referendum took place in Quebec on October 30, 1995, and the motion to decide whether Quebec should secede from Canada was defeated by a very narrow margin of 50.58% "No" to 49.42% "Yes". </a:t>
-            </a:r>
             <a:endParaRPr lang="en-US" dirty="0"/>
+          </a:p>
+          <a:p>
+            <a:r>
+              <a:rPr lang="en-US" dirty="0"/>
+              <a:t>Canada – referendum -The referendum took place in Quebec on October 30, 1995, and the motion to decide whether Quebec should secede from Canada was defeated by a very narrow margin of 50.58% "No" to 49.42% "Yes". </a:t>
+            </a:r>
           </a:p>
         </p:txBody>
       </p:sp>
@@ -4468,18 +4349,9 @@
               <a:buNone/>
             </a:pPr>
             <a:r>
-              <a:rPr lang="en-US" dirty="0" smtClean="0"/>
-              <a:t>4. Geographical contiguity – </a:t>
-            </a:r>
-            <a:r>
-              <a:rPr lang="en-US" dirty="0" smtClean="0"/>
-              <a:t>people </a:t>
-            </a:r>
-            <a:r>
-              <a:rPr lang="en-US" dirty="0" smtClean="0"/>
-              <a:t>living together on the same geographically contiguous area conversing in the same language sharing common historical experiences are likely to develop common sentiments and outlook, however it is not absolute – the story of Jews</a:t>
-            </a:r>
-            <a:endParaRPr lang="en-US" dirty="0"/>
+              <a:rPr lang="en-US" dirty="0"/>
+              <a:t>4. Geographical contiguity – people living together on the same geographically contiguous area conversing in the same language sharing common historical experiences are likely to develop common sentiments and outlook, however it is not absolute – the story of Jews</a:t>
+            </a:r>
           </a:p>
         </p:txBody>
       </p:sp>
@@ -4546,16 +4418,15 @@
               <a:buNone/>
             </a:pPr>
             <a:r>
-              <a:rPr lang="en-US" dirty="0" smtClean="0"/>
+              <a:rPr lang="en-US" dirty="0"/>
               <a:t>5. Community of economic ties</a:t>
             </a:r>
           </a:p>
           <a:p>
             <a:r>
-              <a:rPr lang="en-US" dirty="0" smtClean="0"/>
+              <a:rPr lang="en-US" dirty="0"/>
               <a:t>According to Lenin the common economic ties also contributed to the creation of feeling of unity so vital for the rise of a nation.  Capitalist mode of production played an important role.</a:t>
             </a:r>
-            <a:endParaRPr lang="en-US" dirty="0"/>
           </a:p>
         </p:txBody>
       </p:sp>
@@ -4622,16 +4493,15 @@
               <a:buNone/>
             </a:pPr>
             <a:r>
-              <a:rPr lang="en-US" dirty="0" smtClean="0"/>
+              <a:rPr lang="en-US" dirty="0"/>
               <a:t>6.Common History or Tradition </a:t>
             </a:r>
           </a:p>
           <a:p>
             <a:r>
-              <a:rPr lang="en-US" dirty="0" smtClean="0"/>
+              <a:rPr lang="en-US" dirty="0"/>
               <a:t>Irredentism </a:t>
             </a:r>
-            <a:endParaRPr lang="en-US" dirty="0"/>
           </a:p>
         </p:txBody>
       </p:sp>
@@ -4728,18 +4598,12 @@
               <a:rPr lang="en-US" dirty="0"/>
               <a:t> </a:t>
             </a:r>
-            <a:endParaRPr lang="en-US" dirty="0" smtClean="0"/>
           </a:p>
           <a:p>
             <a:r>
               <a:rPr lang="en-US" dirty="0"/>
-              <a:t>State is conceptualized in quantitative terms – India population, size, </a:t>
-            </a:r>
-            <a:r>
-              <a:rPr lang="en-US" dirty="0" smtClean="0"/>
-              <a:t>etc – nation in qualitative terms </a:t>
-            </a:r>
-            <a:endParaRPr lang="en-US" dirty="0"/>
+              <a:t>State is conceptualized in quantitative terms – India population, size, etc – nation in qualitative terms </a:t>
+            </a:r>
           </a:p>
         </p:txBody>
       </p:sp>
@@ -4812,15 +4676,7 @@
             </a:r>
             <a:r>
               <a:rPr lang="en-US" dirty="0"/>
-              <a:t> comes from the Latin and when first coined clearly conveyed the idea of common blood ties.  It was derived the past participle </a:t>
-            </a:r>
-            <a:r>
-              <a:rPr lang="en-US" dirty="0" smtClean="0"/>
-              <a:t>of </a:t>
-            </a:r>
-            <a:r>
-              <a:rPr lang="en-US" dirty="0"/>
-              <a:t>the verb </a:t>
+              <a:t> comes from the Latin and when first coined clearly conveyed the idea of common blood ties.  It was derived the past participle of the verb </a:t>
             </a:r>
             <a:r>
               <a:rPr lang="en-US" i="1" dirty="0" err="1"/>
@@ -4895,7 +4751,12 @@
             <p:ph idx="1"/>
           </p:nvPr>
         </p:nvSpPr>
-        <p:spPr/>
+        <p:spPr>
+          <a:xfrm>
+            <a:off x="502920" y="530352"/>
+            <a:ext cx="8183880" cy="4453128"/>
+          </a:xfrm>
+        </p:spPr>
         <p:txBody>
           <a:bodyPr>
             <a:normAutofit fontScale="92500" lnSpcReduction="10000"/>
@@ -4904,11 +4765,7 @@
           <a:p>
             <a:r>
               <a:rPr lang="en-US" dirty="0"/>
-              <a:t>Ernest Renan rejects the statist concept of the nation in order to identify the nation as a form of morality.   It is a solidarity sustained by a distinctive historical consciousness.  The nation he declares is a daily </a:t>
-            </a:r>
-            <a:r>
-              <a:rPr lang="en-US" dirty="0" smtClean="0"/>
-              <a:t>plebiscite.</a:t>
+              <a:t>Ernest Renan rejects the statist concept of the nation in order to identify the nation as a form of morality.   It is a solidarity sustained by a distinctive historical consciousness.  The nation he declares is a daily plebiscite.</a:t>
             </a:r>
           </a:p>
           <a:p>
@@ -4916,6 +4773,9 @@
               <a:rPr lang="en-US" dirty="0"/>
               <a:t>Differentiating nations from races and tribes on the one hand and imperial states on the other he argues that a nation comes into existence only when several elements have come together, especially economic life, language and territory.</a:t>
             </a:r>
+          </a:p>
+          <a:p>
+            <a:endParaRPr lang="en-US" dirty="0"/>
           </a:p>
         </p:txBody>
       </p:sp>
@@ -5056,11 +4916,7 @@
             </a:r>
             <a:r>
               <a:rPr lang="en-US" dirty="0"/>
-              <a:t> socio-demographic offers a functional definition which avoids single factor characterization of the nation</a:t>
-            </a:r>
-            <a:r>
-              <a:rPr lang="en-US" dirty="0" smtClean="0"/>
-              <a:t>.</a:t>
+              <a:t> socio-demographic offers a functional definition which avoids single factor characterization of the nation.</a:t>
             </a:r>
           </a:p>
           <a:p>
@@ -5122,29 +4978,28 @@
           <a:lstStyle/>
           <a:p>
             <a:r>
-              <a:rPr lang="en-US" dirty="0" err="1" smtClean="0"/>
+              <a:rPr lang="en-US" dirty="0" err="1"/>
               <a:t>Qu’est-ce</a:t>
             </a:r>
             <a:r>
-              <a:rPr lang="en-US" dirty="0" smtClean="0"/>
+              <a:rPr lang="en-US" dirty="0"/>
               <a:t> </a:t>
             </a:r>
             <a:r>
-              <a:rPr lang="en-US" dirty="0" err="1" smtClean="0"/>
+              <a:rPr lang="en-US" dirty="0" err="1"/>
               <a:t>qu’une</a:t>
             </a:r>
             <a:r>
-              <a:rPr lang="en-US" dirty="0" smtClean="0"/>
+              <a:rPr lang="en-US" dirty="0"/>
               <a:t> nation?</a:t>
             </a:r>
             <a:br>
-              <a:rPr lang="en-US" dirty="0" smtClean="0"/>
+              <a:rPr lang="en-US" dirty="0"/>
             </a:br>
             <a:r>
-              <a:rPr lang="en-US" dirty="0" smtClean="0"/>
+              <a:rPr lang="en-US" dirty="0"/>
               <a:t>Ernest Renan</a:t>
             </a:r>
-            <a:endParaRPr lang="en-US" dirty="0"/>
           </a:p>
         </p:txBody>
       </p:sp>
@@ -5164,10 +5019,9 @@
           <a:lstStyle/>
           <a:p>
             <a:r>
-              <a:rPr lang="en-US" dirty="0" smtClean="0"/>
+              <a:rPr lang="en-US" dirty="0"/>
               <a:t>A nation is a soul, a spiritual principle – only two things constitute this soul: one is in the past, the other is in the present.  One is the possession in common of a rich legacy of remembrances the other is the actual consent. The desire to live together, the will to continue to value the heritage which all hold in common.  </a:t>
             </a:r>
-            <a:endParaRPr lang="en-US" dirty="0"/>
           </a:p>
         </p:txBody>
       </p:sp>
@@ -5214,17 +5068,16 @@
           <a:lstStyle/>
           <a:p>
             <a:r>
-              <a:rPr lang="en-US" dirty="0" smtClean="0"/>
+              <a:rPr lang="en-US" dirty="0"/>
               <a:t>What is a Nation? </a:t>
             </a:r>
             <a:br>
-              <a:rPr lang="en-US" dirty="0" smtClean="0"/>
+              <a:rPr lang="en-US" dirty="0"/>
             </a:br>
             <a:r>
-              <a:rPr lang="en-US" dirty="0" smtClean="0"/>
+              <a:rPr lang="en-US" dirty="0"/>
               <a:t>Joseph Stalin</a:t>
             </a:r>
-            <a:endParaRPr lang="en-US" dirty="0"/>
           </a:p>
         </p:txBody>
       </p:sp>
@@ -5246,52 +5099,51 @@
           <a:lstStyle/>
           <a:p>
             <a:r>
-              <a:rPr lang="en-US" dirty="0" smtClean="0"/>
+              <a:rPr lang="en-US" dirty="0"/>
               <a:t>A nation is primarily a community a definite community of people. </a:t>
             </a:r>
           </a:p>
           <a:p>
             <a:r>
-              <a:rPr lang="en-US" dirty="0" smtClean="0"/>
+              <a:rPr lang="en-US" dirty="0"/>
               <a:t>This community is not racial nor it is tribal . The modern Italian nation was formed from Romans, </a:t>
             </a:r>
             <a:r>
-              <a:rPr lang="en-US" dirty="0" err="1" smtClean="0"/>
+              <a:rPr lang="en-US" dirty="0" err="1"/>
               <a:t>Teutons</a:t>
             </a:r>
             <a:r>
-              <a:rPr lang="en-US" dirty="0" smtClean="0"/>
+              <a:rPr lang="en-US" dirty="0"/>
               <a:t>, Etruscans, Greeks, Arabs and so forth.</a:t>
             </a:r>
           </a:p>
           <a:p>
             <a:r>
-              <a:rPr lang="en-US" dirty="0" smtClean="0"/>
+              <a:rPr lang="en-US" dirty="0"/>
               <a:t>The French nation was formed from </a:t>
             </a:r>
             <a:r>
-              <a:rPr lang="en-US" dirty="0" err="1" smtClean="0"/>
+              <a:rPr lang="en-US" dirty="0" err="1"/>
               <a:t>Gauls</a:t>
             </a:r>
             <a:r>
-              <a:rPr lang="en-US" dirty="0" smtClean="0"/>
+              <a:rPr lang="en-US" dirty="0"/>
               <a:t>, Romans, Britons, </a:t>
             </a:r>
             <a:r>
-              <a:rPr lang="en-US" dirty="0" err="1" smtClean="0"/>
+              <a:rPr lang="en-US" dirty="0" err="1"/>
               <a:t>Teutons</a:t>
             </a:r>
             <a:r>
-              <a:rPr lang="en-US" dirty="0" smtClean="0"/>
+              <a:rPr lang="en-US" dirty="0"/>
               <a:t> etc.</a:t>
             </a:r>
           </a:p>
           <a:p>
             <a:r>
-              <a:rPr lang="en-US" dirty="0" smtClean="0"/>
+              <a:rPr lang="en-US" dirty="0"/>
               <a:t>The same must be said of the British, the Germans and others., who were formed into nations from people of diverse races and tribes.  </a:t>
             </a:r>
-            <a:endParaRPr lang="en-US" dirty="0"/>
           </a:p>
         </p:txBody>
       </p:sp>
@@ -5364,15 +5216,7 @@
             </a:r>
             <a:r>
               <a:rPr lang="en-US" dirty="0"/>
-              <a:t> it. In the subconscious conviction of its members, from all other people in a most </a:t>
-            </a:r>
-            <a:r>
-              <a:rPr lang="en-US" dirty="0" smtClean="0"/>
-              <a:t>vital </a:t>
-            </a:r>
-            <a:r>
-              <a:rPr lang="en-US" dirty="0"/>
-              <a:t>way.</a:t>
+              <a:t> it. In the subconscious conviction of its members, from all other people in a most vital way.</a:t>
             </a:r>
           </a:p>
         </p:txBody>
